--- a/s8_multivariate_viz/s8.pptx
+++ b/s8_multivariate_viz/s8.pptx
@@ -7547,7 +7547,7 @@
           <a:p>
             <a:fld id="{DC85555C-7F50-4E29-AB34-E5BD4A0E27B4}" type="datetimeFigureOut">
               <a:rPr lang="en-US" smtClean="0"/>
-              <a:t>2021-08-03</a:t>
+              <a:t>2021-09-27</a:t>
             </a:fld>
             <a:endParaRPr lang="en-US"/>
           </a:p>
@@ -10961,7 +10961,7 @@
                 <a:tabLst/>
                 <a:defRPr/>
               </a:pPr>
-              <a:t>2021-08-03</a:t>
+              <a:t>2021-09-27</a:t>
             </a:fld>
             <a:endParaRPr kumimoji="0" lang="en-US" sz="1050" b="0" i="0" u="none" strike="noStrike" kern="1200" cap="none" spc="0" normalizeH="0" baseline="0" noProof="0">
               <a:ln>
@@ -11258,7 +11258,7 @@
           <a:p>
             <a:fld id="{C59CB531-4EAE-4BB2-ACF5-B58A4166C3B7}" type="datetimeFigureOut">
               <a:rPr lang="en-US" smtClean="0"/>
-              <a:t>2021-08-03</a:t>
+              <a:t>2021-09-27</a:t>
             </a:fld>
             <a:endParaRPr lang="en-US"/>
           </a:p>
@@ -11602,7 +11602,7 @@
                 <a:tabLst/>
                 <a:defRPr/>
               </a:pPr>
-              <a:t>2021-08-03</a:t>
+              <a:t>2021-09-27</a:t>
             </a:fld>
             <a:endParaRPr kumimoji="0" lang="en-US" sz="1050" b="0" i="0" u="none" strike="noStrike" kern="1200" cap="none" spc="0" normalizeH="0" baseline="0" noProof="0">
               <a:ln>
@@ -13593,20 +13593,15 @@
           <a:lstStyle/>
           <a:p>
             <a:r>
-              <a:rPr lang="en-US" dirty="0"/>
-              <a:t>Easier life with the new </a:t>
-            </a:r>
-            <a:r>
-              <a:rPr lang="en-US" dirty="0" err="1" smtClean="0"/>
-              <a:t>seaborn</a:t>
-            </a:r>
-            <a:endParaRPr lang="en-US" dirty="0" smtClean="0"/>
-          </a:p>
-          <a:p>
-            <a:r>
               <a:rPr lang="en-US" dirty="0" smtClean="0"/>
               <a:t>Project </a:t>
             </a:r>
+          </a:p>
+          <a:p>
+            <a:r>
+              <a:rPr lang="en-US" dirty="0" smtClean="0"/>
+              <a:t>Multivariate plots</a:t>
+            </a:r>
             <a:endParaRPr lang="en-US" dirty="0"/>
           </a:p>
           <a:p>
@@ -13633,23 +13628,10 @@
           </a:p>
           <a:p>
             <a:r>
-              <a:rPr lang="en-US" dirty="0" err="1"/>
-              <a:t>Kaggle</a:t>
-            </a:r>
-            <a:r>
-              <a:rPr lang="en-US" dirty="0"/>
-              <a:t> exercise </a:t>
-            </a:r>
-          </a:p>
-          <a:p>
-            <a:r>
-              <a:rPr lang="en-US" dirty="0" err="1"/>
-              <a:t>Datacamp</a:t>
-            </a:r>
-            <a:r>
-              <a:rPr lang="en-US" dirty="0"/>
-              <a:t> exercise</a:t>
-            </a:r>
+              <a:rPr lang="en-US" dirty="0" smtClean="0"/>
+              <a:t>Breakout rooms</a:t>
+            </a:r>
+            <a:endParaRPr lang="en-US" dirty="0"/>
           </a:p>
           <a:p>
             <a:endParaRPr lang="en-US" dirty="0" smtClean="0"/>
@@ -17288,7 +17270,12 @@
             <p:ph idx="1"/>
           </p:nvPr>
         </p:nvSpPr>
-        <p:spPr/>
+        <p:spPr>
+          <a:xfrm>
+            <a:off x="349479" y="2032000"/>
+            <a:ext cx="9784080" cy="4206240"/>
+          </a:xfrm>
+        </p:spPr>
         <p:txBody>
           <a:bodyPr/>
           <a:lstStyle/>
@@ -17297,14 +17284,18 @@
               <a:rPr lang="en-US" dirty="0">
                 <a:hlinkClick r:id="rId2"/>
               </a:rPr>
-              <a:t>https://www.kaggle.com/mahmoudhamza/exercise-scatter-plots/edit</a:t>
-            </a:r>
-            <a:r>
-              <a:rPr lang="en-US" dirty="0"/>
+              <a:t>https://</a:t>
+            </a:r>
+            <a:r>
+              <a:rPr lang="en-US" dirty="0" smtClean="0">
+                <a:hlinkClick r:id="rId2"/>
+              </a:rPr>
+              <a:t>www.kaggle.com/alexisbcook/scatter-plots</a:t>
+            </a:r>
+            <a:r>
+              <a:rPr lang="en-US" dirty="0" smtClean="0"/>
               <a:t> </a:t>
             </a:r>
-          </a:p>
-          <a:p>
             <a:endParaRPr lang="en-US" dirty="0"/>
           </a:p>
         </p:txBody>
